--- a/CPS 315 OOP Collaborative Programming Project 13.8 - Copy.pptx
+++ b/CPS 315 OOP Collaborative Programming Project 13.8 - Copy.pptx
@@ -14,6 +14,9 @@
     <p:sldId id="262" r:id="rId8"/>
     <p:sldId id="264" r:id="rId9"/>
     <p:sldId id="263" r:id="rId10"/>
+    <p:sldId id="265" r:id="rId11"/>
+    <p:sldId id="266" r:id="rId12"/>
+    <p:sldId id="267" r:id="rId13"/>
   </p:sldIdLst>
   <p:sldSz cx="12192000" cy="6858000"/>
   <p:notesSz cx="6858000" cy="9144000"/>
@@ -170,7 +173,7 @@
           <a:noFill/>
           <a:extLst>
             <a:ext uri="{909E8E84-426E-40dd-AFC4-6F175D3DCCD1}">
-              <a14:hiddenFill xmlns:a14="http://schemas.microsoft.com/office/drawing/2010/main" xmlns="">
+              <a14:hiddenFill xmlns="" xmlns:a14="http://schemas.microsoft.com/office/drawing/2010/main">
                 <a:solidFill>
                   <a:srgbClr val="FFFFFF"/>
                 </a:solidFill>
@@ -230,7 +233,7 @@
             </a:ln>
             <a:extLst>
               <a:ext uri="{91240B29-F687-4f45-9708-019B960494DF}">
-                <a14:hiddenLine xmlns:a14="http://schemas.microsoft.com/office/drawing/2010/main" xmlns="" w="9525">
+                <a14:hiddenLine xmlns="" xmlns:a14="http://schemas.microsoft.com/office/drawing/2010/main" w="9525">
                   <a:solidFill>
                     <a:srgbClr val="000000"/>
                   </a:solidFill>
@@ -320,7 +323,7 @@
             </a:ln>
             <a:extLst>
               <a:ext uri="{91240B29-F687-4f45-9708-019B960494DF}">
-                <a14:hiddenLine xmlns:a14="http://schemas.microsoft.com/office/drawing/2010/main" xmlns="" w="9525">
+                <a14:hiddenLine xmlns="" xmlns:a14="http://schemas.microsoft.com/office/drawing/2010/main" w="9525">
                   <a:solidFill>
                     <a:srgbClr val="000000"/>
                   </a:solidFill>
@@ -410,7 +413,7 @@
             </a:ln>
             <a:extLst>
               <a:ext uri="{91240B29-F687-4f45-9708-019B960494DF}">
-                <a14:hiddenLine xmlns:a14="http://schemas.microsoft.com/office/drawing/2010/main" xmlns="" w="9525">
+                <a14:hiddenLine xmlns="" xmlns:a14="http://schemas.microsoft.com/office/drawing/2010/main" w="9525">
                   <a:solidFill>
                     <a:srgbClr val="000000"/>
                   </a:solidFill>
@@ -444,7 +447,7 @@
             </a:ln>
             <a:extLst>
               <a:ext uri="{91240B29-F687-4f45-9708-019B960494DF}">
-                <a14:hiddenLine xmlns:a14="http://schemas.microsoft.com/office/drawing/2010/main" xmlns="" w="9525">
+                <a14:hiddenLine xmlns="" xmlns:a14="http://schemas.microsoft.com/office/drawing/2010/main" w="9525">
                   <a:solidFill>
                     <a:srgbClr val="000000"/>
                   </a:solidFill>
@@ -534,7 +537,7 @@
             </a:ln>
             <a:extLst>
               <a:ext uri="{91240B29-F687-4f45-9708-019B960494DF}">
-                <a14:hiddenLine xmlns:a14="http://schemas.microsoft.com/office/drawing/2010/main" xmlns="" w="9525">
+                <a14:hiddenLine xmlns="" xmlns:a14="http://schemas.microsoft.com/office/drawing/2010/main" w="9525">
                   <a:solidFill>
                     <a:srgbClr val="000000"/>
                   </a:solidFill>
@@ -596,7 +599,7 @@
             </a:ln>
             <a:extLst>
               <a:ext uri="{91240B29-F687-4f45-9708-019B960494DF}">
-                <a14:hiddenLine xmlns:a14="http://schemas.microsoft.com/office/drawing/2010/main" xmlns="" w="9525">
+                <a14:hiddenLine xmlns="" xmlns:a14="http://schemas.microsoft.com/office/drawing/2010/main" w="9525">
                   <a:solidFill>
                     <a:srgbClr val="000000"/>
                   </a:solidFill>
@@ -658,7 +661,7 @@
             </a:ln>
             <a:extLst>
               <a:ext uri="{91240B29-F687-4f45-9708-019B960494DF}">
-                <a14:hiddenLine xmlns:a14="http://schemas.microsoft.com/office/drawing/2010/main" xmlns="" w="9525">
+                <a14:hiddenLine xmlns="" xmlns:a14="http://schemas.microsoft.com/office/drawing/2010/main" w="9525">
                   <a:solidFill>
                     <a:srgbClr val="000000"/>
                   </a:solidFill>
@@ -748,7 +751,7 @@
             </a:ln>
             <a:extLst>
               <a:ext uri="{91240B29-F687-4f45-9708-019B960494DF}">
-                <a14:hiddenLine xmlns:a14="http://schemas.microsoft.com/office/drawing/2010/main" xmlns="" w="9525">
+                <a14:hiddenLine xmlns="" xmlns:a14="http://schemas.microsoft.com/office/drawing/2010/main" w="9525">
                   <a:solidFill>
                     <a:srgbClr val="000000"/>
                   </a:solidFill>
@@ -810,7 +813,7 @@
             </a:ln>
             <a:extLst>
               <a:ext uri="{91240B29-F687-4f45-9708-019B960494DF}">
-                <a14:hiddenLine xmlns:a14="http://schemas.microsoft.com/office/drawing/2010/main" xmlns="" w="9525">
+                <a14:hiddenLine xmlns="" xmlns:a14="http://schemas.microsoft.com/office/drawing/2010/main" w="9525">
                   <a:solidFill>
                     <a:srgbClr val="000000"/>
                   </a:solidFill>
@@ -872,7 +875,7 @@
             </a:ln>
             <a:extLst>
               <a:ext uri="{91240B29-F687-4f45-9708-019B960494DF}">
-                <a14:hiddenLine xmlns:a14="http://schemas.microsoft.com/office/drawing/2010/main" xmlns="" w="9525">
+                <a14:hiddenLine xmlns="" xmlns:a14="http://schemas.microsoft.com/office/drawing/2010/main" w="9525">
                   <a:solidFill>
                     <a:srgbClr val="000000"/>
                   </a:solidFill>
@@ -962,7 +965,7 @@
             </a:ln>
             <a:extLst>
               <a:ext uri="{91240B29-F687-4f45-9708-019B960494DF}">
-                <a14:hiddenLine xmlns:a14="http://schemas.microsoft.com/office/drawing/2010/main" xmlns="" w="9525">
+                <a14:hiddenLine xmlns="" xmlns:a14="http://schemas.microsoft.com/office/drawing/2010/main" w="9525">
                   <a:solidFill>
                     <a:srgbClr val="000000"/>
                   </a:solidFill>
@@ -1052,7 +1055,7 @@
             </a:ln>
             <a:extLst>
               <a:ext uri="{91240B29-F687-4f45-9708-019B960494DF}">
-                <a14:hiddenLine xmlns:a14="http://schemas.microsoft.com/office/drawing/2010/main" xmlns="" w="9525">
+                <a14:hiddenLine xmlns="" xmlns:a14="http://schemas.microsoft.com/office/drawing/2010/main" w="9525">
                   <a:solidFill>
                     <a:srgbClr val="000000"/>
                   </a:solidFill>
@@ -1114,7 +1117,7 @@
             </a:ln>
             <a:extLst>
               <a:ext uri="{91240B29-F687-4f45-9708-019B960494DF}">
-                <a14:hiddenLine xmlns:a14="http://schemas.microsoft.com/office/drawing/2010/main" xmlns="" w="9525">
+                <a14:hiddenLine xmlns="" xmlns:a14="http://schemas.microsoft.com/office/drawing/2010/main" w="9525">
                   <a:solidFill>
                     <a:srgbClr val="000000"/>
                   </a:solidFill>
@@ -1224,7 +1227,7 @@
             </a:ln>
             <a:extLst>
               <a:ext uri="{91240B29-F687-4f45-9708-019B960494DF}">
-                <a14:hiddenLine xmlns:a14="http://schemas.microsoft.com/office/drawing/2010/main" xmlns="" w="9525">
+                <a14:hiddenLine xmlns="" xmlns:a14="http://schemas.microsoft.com/office/drawing/2010/main" w="9525">
                   <a:solidFill>
                     <a:srgbClr val="000000"/>
                   </a:solidFill>
@@ -1286,7 +1289,7 @@
             </a:ln>
             <a:extLst>
               <a:ext uri="{91240B29-F687-4f45-9708-019B960494DF}">
-                <a14:hiddenLine xmlns:a14="http://schemas.microsoft.com/office/drawing/2010/main" xmlns="" w="9525">
+                <a14:hiddenLine xmlns="" xmlns:a14="http://schemas.microsoft.com/office/drawing/2010/main" w="9525">
                   <a:solidFill>
                     <a:srgbClr val="000000"/>
                   </a:solidFill>
@@ -1376,7 +1379,7 @@
             </a:ln>
             <a:extLst>
               <a:ext uri="{91240B29-F687-4f45-9708-019B960494DF}">
-                <a14:hiddenLine xmlns:a14="http://schemas.microsoft.com/office/drawing/2010/main" xmlns="" w="9525">
+                <a14:hiddenLine xmlns="" xmlns:a14="http://schemas.microsoft.com/office/drawing/2010/main" w="9525">
                   <a:solidFill>
                     <a:srgbClr val="000000"/>
                   </a:solidFill>
@@ -1466,7 +1469,7 @@
             </a:ln>
             <a:extLst>
               <a:ext uri="{91240B29-F687-4f45-9708-019B960494DF}">
-                <a14:hiddenLine xmlns:a14="http://schemas.microsoft.com/office/drawing/2010/main" xmlns="" w="9525">
+                <a14:hiddenLine xmlns="" xmlns:a14="http://schemas.microsoft.com/office/drawing/2010/main" w="9525">
                   <a:solidFill>
                     <a:srgbClr val="000000"/>
                   </a:solidFill>
@@ -1528,7 +1531,7 @@
             </a:ln>
             <a:extLst>
               <a:ext uri="{91240B29-F687-4f45-9708-019B960494DF}">
-                <a14:hiddenLine xmlns:a14="http://schemas.microsoft.com/office/drawing/2010/main" xmlns="" w="9525">
+                <a14:hiddenLine xmlns="" xmlns:a14="http://schemas.microsoft.com/office/drawing/2010/main" w="9525">
                   <a:solidFill>
                     <a:srgbClr val="000000"/>
                   </a:solidFill>
@@ -1618,7 +1621,7 @@
             </a:ln>
             <a:extLst>
               <a:ext uri="{91240B29-F687-4f45-9708-019B960494DF}">
-                <a14:hiddenLine xmlns:a14="http://schemas.microsoft.com/office/drawing/2010/main" xmlns="" w="9525">
+                <a14:hiddenLine xmlns="" xmlns:a14="http://schemas.microsoft.com/office/drawing/2010/main" w="9525">
                   <a:solidFill>
                     <a:srgbClr val="000000"/>
                   </a:solidFill>
@@ -1708,7 +1711,7 @@
             </a:ln>
             <a:extLst>
               <a:ext uri="{91240B29-F687-4f45-9708-019B960494DF}">
-                <a14:hiddenLine xmlns:a14="http://schemas.microsoft.com/office/drawing/2010/main" xmlns="" w="9525">
+                <a14:hiddenLine xmlns="" xmlns:a14="http://schemas.microsoft.com/office/drawing/2010/main" w="9525">
                   <a:solidFill>
                     <a:srgbClr val="000000"/>
                   </a:solidFill>
@@ -1764,7 +1767,7 @@
             </a:ln>
             <a:extLst>
               <a:ext uri="{91240B29-F687-4f45-9708-019B960494DF}">
-                <a14:hiddenLine xmlns:a14="http://schemas.microsoft.com/office/drawing/2010/main" xmlns="" w="9525">
+                <a14:hiddenLine xmlns="" xmlns:a14="http://schemas.microsoft.com/office/drawing/2010/main" w="9525">
                   <a:solidFill>
                     <a:srgbClr val="000000"/>
                   </a:solidFill>
@@ -1854,7 +1857,7 @@
             </a:ln>
             <a:extLst>
               <a:ext uri="{91240B29-F687-4f45-9708-019B960494DF}">
-                <a14:hiddenLine xmlns:a14="http://schemas.microsoft.com/office/drawing/2010/main" xmlns="" w="9525">
+                <a14:hiddenLine xmlns="" xmlns:a14="http://schemas.microsoft.com/office/drawing/2010/main" w="9525">
                   <a:solidFill>
                     <a:srgbClr val="000000"/>
                   </a:solidFill>
@@ -1910,7 +1913,7 @@
             </a:ln>
             <a:extLst>
               <a:ext uri="{91240B29-F687-4f45-9708-019B960494DF}">
-                <a14:hiddenLine xmlns:a14="http://schemas.microsoft.com/office/drawing/2010/main" xmlns="" w="9525">
+                <a14:hiddenLine xmlns="" xmlns:a14="http://schemas.microsoft.com/office/drawing/2010/main" w="9525">
                   <a:solidFill>
                     <a:srgbClr val="000000"/>
                   </a:solidFill>
@@ -2000,7 +2003,7 @@
             </a:ln>
             <a:extLst>
               <a:ext uri="{91240B29-F687-4f45-9708-019B960494DF}">
-                <a14:hiddenLine xmlns:a14="http://schemas.microsoft.com/office/drawing/2010/main" xmlns="" w="9525">
+                <a14:hiddenLine xmlns="" xmlns:a14="http://schemas.microsoft.com/office/drawing/2010/main" w="9525">
                   <a:solidFill>
                     <a:srgbClr val="000000"/>
                   </a:solidFill>
@@ -2068,7 +2071,7 @@
             </a:ln>
             <a:extLst>
               <a:ext uri="{91240B29-F687-4f45-9708-019B960494DF}">
-                <a14:hiddenLine xmlns:a14="http://schemas.microsoft.com/office/drawing/2010/main" xmlns="" w="9525">
+                <a14:hiddenLine xmlns="" xmlns:a14="http://schemas.microsoft.com/office/drawing/2010/main" w="9525">
                   <a:solidFill>
                     <a:srgbClr val="000000"/>
                   </a:solidFill>
@@ -2158,7 +2161,7 @@
             </a:ln>
             <a:extLst>
               <a:ext uri="{91240B29-F687-4f45-9708-019B960494DF}">
-                <a14:hiddenLine xmlns:a14="http://schemas.microsoft.com/office/drawing/2010/main" xmlns="" w="9525">
+                <a14:hiddenLine xmlns="" xmlns:a14="http://schemas.microsoft.com/office/drawing/2010/main" w="9525">
                   <a:solidFill>
                     <a:srgbClr val="000000"/>
                   </a:solidFill>
@@ -2226,7 +2229,7 @@
             </a:ln>
             <a:extLst>
               <a:ext uri="{91240B29-F687-4f45-9708-019B960494DF}">
-                <a14:hiddenLine xmlns:a14="http://schemas.microsoft.com/office/drawing/2010/main" xmlns="" w="9525">
+                <a14:hiddenLine xmlns="" xmlns:a14="http://schemas.microsoft.com/office/drawing/2010/main" w="9525">
                   <a:solidFill>
                     <a:srgbClr val="000000"/>
                   </a:solidFill>
@@ -2316,7 +2319,7 @@
             </a:ln>
             <a:extLst>
               <a:ext uri="{91240B29-F687-4f45-9708-019B960494DF}">
-                <a14:hiddenLine xmlns:a14="http://schemas.microsoft.com/office/drawing/2010/main" xmlns="" w="9525">
+                <a14:hiddenLine xmlns="" xmlns:a14="http://schemas.microsoft.com/office/drawing/2010/main" w="9525">
                   <a:solidFill>
                     <a:srgbClr val="000000"/>
                   </a:solidFill>
@@ -2350,7 +2353,7 @@
             </a:ln>
             <a:extLst>
               <a:ext uri="{91240B29-F687-4f45-9708-019B960494DF}">
-                <a14:hiddenLine xmlns:a14="http://schemas.microsoft.com/office/drawing/2010/main" xmlns="" w="9525">
+                <a14:hiddenLine xmlns="" xmlns:a14="http://schemas.microsoft.com/office/drawing/2010/main" w="9525">
                   <a:solidFill>
                     <a:srgbClr val="000000"/>
                   </a:solidFill>
@@ -2440,7 +2443,7 @@
             </a:ln>
             <a:extLst>
               <a:ext uri="{91240B29-F687-4f45-9708-019B960494DF}">
-                <a14:hiddenLine xmlns:a14="http://schemas.microsoft.com/office/drawing/2010/main" xmlns="" w="9525">
+                <a14:hiddenLine xmlns="" xmlns:a14="http://schemas.microsoft.com/office/drawing/2010/main" w="9525">
                   <a:solidFill>
                     <a:srgbClr val="000000"/>
                   </a:solidFill>
@@ -2502,7 +2505,7 @@
             </a:ln>
             <a:extLst>
               <a:ext uri="{91240B29-F687-4f45-9708-019B960494DF}">
-                <a14:hiddenLine xmlns:a14="http://schemas.microsoft.com/office/drawing/2010/main" xmlns="" w="9525">
+                <a14:hiddenLine xmlns="" xmlns:a14="http://schemas.microsoft.com/office/drawing/2010/main" w="9525">
                   <a:solidFill>
                     <a:srgbClr val="000000"/>
                   </a:solidFill>
@@ -2564,7 +2567,7 @@
             </a:ln>
             <a:extLst>
               <a:ext uri="{91240B29-F687-4f45-9708-019B960494DF}">
-                <a14:hiddenLine xmlns:a14="http://schemas.microsoft.com/office/drawing/2010/main" xmlns="" w="9525">
+                <a14:hiddenLine xmlns="" xmlns:a14="http://schemas.microsoft.com/office/drawing/2010/main" w="9525">
                   <a:solidFill>
                     <a:srgbClr val="000000"/>
                   </a:solidFill>
@@ -2654,7 +2657,7 @@
             </a:ln>
             <a:extLst>
               <a:ext uri="{91240B29-F687-4f45-9708-019B960494DF}">
-                <a14:hiddenLine xmlns:a14="http://schemas.microsoft.com/office/drawing/2010/main" xmlns="" w="9525">
+                <a14:hiddenLine xmlns="" xmlns:a14="http://schemas.microsoft.com/office/drawing/2010/main" w="9525">
                   <a:solidFill>
                     <a:srgbClr val="000000"/>
                   </a:solidFill>
@@ -2722,7 +2725,7 @@
             </a:ln>
             <a:extLst>
               <a:ext uri="{91240B29-F687-4f45-9708-019B960494DF}">
-                <a14:hiddenLine xmlns:a14="http://schemas.microsoft.com/office/drawing/2010/main" xmlns="" w="9525">
+                <a14:hiddenLine xmlns="" xmlns:a14="http://schemas.microsoft.com/office/drawing/2010/main" w="9525">
                   <a:solidFill>
                     <a:srgbClr val="000000"/>
                   </a:solidFill>
@@ -2784,7 +2787,7 @@
             </a:ln>
             <a:extLst>
               <a:ext uri="{91240B29-F687-4f45-9708-019B960494DF}">
-                <a14:hiddenLine xmlns:a14="http://schemas.microsoft.com/office/drawing/2010/main" xmlns="" w="9525">
+                <a14:hiddenLine xmlns="" xmlns:a14="http://schemas.microsoft.com/office/drawing/2010/main" w="9525">
                   <a:solidFill>
                     <a:srgbClr val="000000"/>
                   </a:solidFill>
@@ -2874,7 +2877,7 @@
             </a:ln>
             <a:extLst>
               <a:ext uri="{91240B29-F687-4f45-9708-019B960494DF}">
-                <a14:hiddenLine xmlns:a14="http://schemas.microsoft.com/office/drawing/2010/main" xmlns="" w="9525">
+                <a14:hiddenLine xmlns="" xmlns:a14="http://schemas.microsoft.com/office/drawing/2010/main" w="9525">
                   <a:solidFill>
                     <a:srgbClr val="000000"/>
                   </a:solidFill>
@@ -2936,7 +2939,7 @@
             </a:ln>
             <a:extLst>
               <a:ext uri="{91240B29-F687-4f45-9708-019B960494DF}">
-                <a14:hiddenLine xmlns:a14="http://schemas.microsoft.com/office/drawing/2010/main" xmlns="" w="9525">
+                <a14:hiddenLine xmlns="" xmlns:a14="http://schemas.microsoft.com/office/drawing/2010/main" w="9525">
                   <a:solidFill>
                     <a:srgbClr val="000000"/>
                   </a:solidFill>
@@ -3026,7 +3029,7 @@
             </a:ln>
             <a:extLst>
               <a:ext uri="{91240B29-F687-4f45-9708-019B960494DF}">
-                <a14:hiddenLine xmlns:a14="http://schemas.microsoft.com/office/drawing/2010/main" xmlns="" w="9525">
+                <a14:hiddenLine xmlns="" xmlns:a14="http://schemas.microsoft.com/office/drawing/2010/main" w="9525">
                   <a:solidFill>
                     <a:srgbClr val="000000"/>
                   </a:solidFill>
@@ -3088,7 +3091,7 @@
             </a:ln>
             <a:extLst>
               <a:ext uri="{91240B29-F687-4f45-9708-019B960494DF}">
-                <a14:hiddenLine xmlns:a14="http://schemas.microsoft.com/office/drawing/2010/main" xmlns="" w="9525">
+                <a14:hiddenLine xmlns="" xmlns:a14="http://schemas.microsoft.com/office/drawing/2010/main" w="9525">
                   <a:solidFill>
                     <a:srgbClr val="000000"/>
                   </a:solidFill>
@@ -3178,7 +3181,7 @@
             </a:ln>
             <a:extLst>
               <a:ext uri="{91240B29-F687-4f45-9708-019B960494DF}">
-                <a14:hiddenLine xmlns:a14="http://schemas.microsoft.com/office/drawing/2010/main" xmlns="" w="9525">
+                <a14:hiddenLine xmlns="" xmlns:a14="http://schemas.microsoft.com/office/drawing/2010/main" w="9525">
                   <a:solidFill>
                     <a:srgbClr val="000000"/>
                   </a:solidFill>
@@ -3212,7 +3215,7 @@
             </a:ln>
             <a:extLst>
               <a:ext uri="{91240B29-F687-4f45-9708-019B960494DF}">
-                <a14:hiddenLine xmlns:a14="http://schemas.microsoft.com/office/drawing/2010/main" xmlns="" w="9525">
+                <a14:hiddenLine xmlns="" xmlns:a14="http://schemas.microsoft.com/office/drawing/2010/main" w="9525">
                   <a:solidFill>
                     <a:srgbClr val="000000"/>
                   </a:solidFill>
@@ -3277,7 +3280,7 @@
             </a:ln>
             <a:extLst>
               <a:ext uri="{91240B29-F687-4f45-9708-019B960494DF}">
-                <a14:hiddenLine xmlns:a14="http://schemas.microsoft.com/office/drawing/2010/main" xmlns="" w="9525">
+                <a14:hiddenLine xmlns="" xmlns:a14="http://schemas.microsoft.com/office/drawing/2010/main" w="9525">
                   <a:solidFill>
                     <a:srgbClr val="000000"/>
                   </a:solidFill>
@@ -3367,7 +3370,7 @@
             </a:ln>
             <a:extLst>
               <a:ext uri="{91240B29-F687-4f45-9708-019B960494DF}">
-                <a14:hiddenLine xmlns:a14="http://schemas.microsoft.com/office/drawing/2010/main" xmlns="" w="9525">
+                <a14:hiddenLine xmlns="" xmlns:a14="http://schemas.microsoft.com/office/drawing/2010/main" w="9525">
                   <a:solidFill>
                     <a:srgbClr val="000000"/>
                   </a:solidFill>
@@ -3429,7 +3432,7 @@
             </a:ln>
             <a:extLst>
               <a:ext uri="{91240B29-F687-4f45-9708-019B960494DF}">
-                <a14:hiddenLine xmlns:a14="http://schemas.microsoft.com/office/drawing/2010/main" xmlns="" w="9525">
+                <a14:hiddenLine xmlns="" xmlns:a14="http://schemas.microsoft.com/office/drawing/2010/main" w="9525">
                   <a:solidFill>
                     <a:srgbClr val="000000"/>
                   </a:solidFill>
@@ -3519,7 +3522,7 @@
             </a:ln>
             <a:extLst>
               <a:ext uri="{91240B29-F687-4f45-9708-019B960494DF}">
-                <a14:hiddenLine xmlns:a14="http://schemas.microsoft.com/office/drawing/2010/main" xmlns="" w="9525">
+                <a14:hiddenLine xmlns="" xmlns:a14="http://schemas.microsoft.com/office/drawing/2010/main" w="9525">
                   <a:solidFill>
                     <a:srgbClr val="000000"/>
                   </a:solidFill>
@@ -3609,7 +3612,7 @@
             </a:ln>
             <a:extLst>
               <a:ext uri="{91240B29-F687-4f45-9708-019B960494DF}">
-                <a14:hiddenLine xmlns:a14="http://schemas.microsoft.com/office/drawing/2010/main" xmlns="" w="9525">
+                <a14:hiddenLine xmlns="" xmlns:a14="http://schemas.microsoft.com/office/drawing/2010/main" w="9525">
                   <a:solidFill>
                     <a:srgbClr val="000000"/>
                   </a:solidFill>
@@ -3674,7 +3677,7 @@
             </a:ln>
             <a:extLst>
               <a:ext uri="{91240B29-F687-4f45-9708-019B960494DF}">
-                <a14:hiddenLine xmlns:a14="http://schemas.microsoft.com/office/drawing/2010/main" xmlns="" w="9525">
+                <a14:hiddenLine xmlns="" xmlns:a14="http://schemas.microsoft.com/office/drawing/2010/main" w="9525">
                   <a:solidFill>
                     <a:srgbClr val="000000"/>
                   </a:solidFill>
@@ -3736,7 +3739,7 @@
             </a:ln>
             <a:extLst>
               <a:ext uri="{91240B29-F687-4f45-9708-019B960494DF}">
-                <a14:hiddenLine xmlns:a14="http://schemas.microsoft.com/office/drawing/2010/main" xmlns="" w="9525">
+                <a14:hiddenLine xmlns="" xmlns:a14="http://schemas.microsoft.com/office/drawing/2010/main" w="9525">
                   <a:solidFill>
                     <a:srgbClr val="000000"/>
                   </a:solidFill>
@@ -3826,7 +3829,7 @@
             </a:ln>
             <a:extLst>
               <a:ext uri="{91240B29-F687-4f45-9708-019B960494DF}">
-                <a14:hiddenLine xmlns:a14="http://schemas.microsoft.com/office/drawing/2010/main" xmlns="" w="9525">
+                <a14:hiddenLine xmlns="" xmlns:a14="http://schemas.microsoft.com/office/drawing/2010/main" w="9525">
                   <a:solidFill>
                     <a:srgbClr val="000000"/>
                   </a:solidFill>
@@ -3916,7 +3919,7 @@
             </a:ln>
             <a:extLst>
               <a:ext uri="{91240B29-F687-4f45-9708-019B960494DF}">
-                <a14:hiddenLine xmlns:a14="http://schemas.microsoft.com/office/drawing/2010/main" xmlns="" w="9525">
+                <a14:hiddenLine xmlns="" xmlns:a14="http://schemas.microsoft.com/office/drawing/2010/main" w="9525">
                   <a:solidFill>
                     <a:srgbClr val="000000"/>
                   </a:solidFill>
@@ -3978,7 +3981,7 @@
             </a:ln>
             <a:extLst>
               <a:ext uri="{91240B29-F687-4f45-9708-019B960494DF}">
-                <a14:hiddenLine xmlns:a14="http://schemas.microsoft.com/office/drawing/2010/main" xmlns="" w="9525">
+                <a14:hiddenLine xmlns="" xmlns:a14="http://schemas.microsoft.com/office/drawing/2010/main" w="9525">
                   <a:solidFill>
                     <a:srgbClr val="000000"/>
                   </a:solidFill>
@@ -4098,7 +4101,7 @@
             </a:ln>
             <a:extLst>
               <a:ext uri="{91240B29-F687-4f45-9708-019B960494DF}">
-                <a14:hiddenLine xmlns:a14="http://schemas.microsoft.com/office/drawing/2010/main" xmlns="" w="9525">
+                <a14:hiddenLine xmlns="" xmlns:a14="http://schemas.microsoft.com/office/drawing/2010/main" w="9525">
                   <a:solidFill>
                     <a:srgbClr val="000000"/>
                   </a:solidFill>
@@ -4166,7 +4169,7 @@
             </a:ln>
             <a:extLst>
               <a:ext uri="{91240B29-F687-4f45-9708-019B960494DF}">
-                <a14:hiddenLine xmlns:a14="http://schemas.microsoft.com/office/drawing/2010/main" xmlns="" w="9525">
+                <a14:hiddenLine xmlns="" xmlns:a14="http://schemas.microsoft.com/office/drawing/2010/main" w="9525">
                   <a:solidFill>
                     <a:srgbClr val="000000"/>
                   </a:solidFill>
@@ -4256,7 +4259,7 @@
             </a:ln>
             <a:extLst>
               <a:ext uri="{91240B29-F687-4f45-9708-019B960494DF}">
-                <a14:hiddenLine xmlns:a14="http://schemas.microsoft.com/office/drawing/2010/main" xmlns="" w="9525">
+                <a14:hiddenLine xmlns="" xmlns:a14="http://schemas.microsoft.com/office/drawing/2010/main" w="9525">
                   <a:solidFill>
                     <a:srgbClr val="000000"/>
                   </a:solidFill>
@@ -4396,7 +4399,7 @@
           <a:p>
             <a:fld id="{48A87A34-81AB-432B-8DAE-1953F412C126}" type="datetimeFigureOut">
               <a:rPr lang="en-US" dirty="0"/>
-              <a:t>8/4/2018</a:t>
+              <a:t>8/6/2018</a:t>
             </a:fld>
             <a:endParaRPr lang="en-US" dirty="0"/>
           </a:p>
@@ -4658,7 +4661,7 @@
           <a:p>
             <a:fld id="{48A87A34-81AB-432B-8DAE-1953F412C126}" type="datetimeFigureOut">
               <a:rPr lang="en-US" dirty="0"/>
-              <a:t>8/4/2018</a:t>
+              <a:t>8/6/2018</a:t>
             </a:fld>
             <a:endParaRPr lang="en-US" dirty="0"/>
           </a:p>
@@ -4849,7 +4852,7 @@
           <a:p>
             <a:fld id="{48A87A34-81AB-432B-8DAE-1953F412C126}" type="datetimeFigureOut">
               <a:rPr lang="en-US" dirty="0"/>
-              <a:t>8/4/2018</a:t>
+              <a:t>8/6/2018</a:t>
             </a:fld>
             <a:endParaRPr lang="en-US" dirty="0"/>
           </a:p>
@@ -5107,7 +5110,7 @@
           <a:p>
             <a:fld id="{48A87A34-81AB-432B-8DAE-1953F412C126}" type="datetimeFigureOut">
               <a:rPr lang="en-US" dirty="0"/>
-              <a:t>8/4/2018</a:t>
+              <a:t>8/6/2018</a:t>
             </a:fld>
             <a:endParaRPr lang="en-US" dirty="0"/>
           </a:p>
@@ -5536,7 +5539,7 @@
           <a:p>
             <a:fld id="{48A87A34-81AB-432B-8DAE-1953F412C126}" type="datetimeFigureOut">
               <a:rPr lang="en-US" dirty="0"/>
-              <a:t>8/4/2018</a:t>
+              <a:t>8/6/2018</a:t>
             </a:fld>
             <a:endParaRPr lang="en-US" dirty="0"/>
           </a:p>
@@ -6077,7 +6080,7 @@
           <a:p>
             <a:fld id="{48A87A34-81AB-432B-8DAE-1953F412C126}" type="datetimeFigureOut">
               <a:rPr lang="en-US" dirty="0"/>
-              <a:t>8/4/2018</a:t>
+              <a:t>8/6/2018</a:t>
             </a:fld>
             <a:endParaRPr lang="en-US" dirty="0"/>
           </a:p>
@@ -6792,7 +6795,7 @@
           <a:p>
             <a:fld id="{48A87A34-81AB-432B-8DAE-1953F412C126}" type="datetimeFigureOut">
               <a:rPr lang="en-US" dirty="0"/>
-              <a:t>8/4/2018</a:t>
+              <a:t>8/6/2018</a:t>
             </a:fld>
             <a:endParaRPr lang="en-US" dirty="0"/>
           </a:p>
@@ -6957,7 +6960,7 @@
           <a:p>
             <a:fld id="{48A87A34-81AB-432B-8DAE-1953F412C126}" type="datetimeFigureOut">
               <a:rPr lang="en-US" dirty="0"/>
-              <a:t>8/4/2018</a:t>
+              <a:t>8/6/2018</a:t>
             </a:fld>
             <a:endParaRPr lang="en-US" dirty="0"/>
           </a:p>
@@ -7132,7 +7135,7 @@
           <a:p>
             <a:fld id="{48A87A34-81AB-432B-8DAE-1953F412C126}" type="datetimeFigureOut">
               <a:rPr lang="en-US" dirty="0"/>
-              <a:t>8/4/2018</a:t>
+              <a:t>8/6/2018</a:t>
             </a:fld>
             <a:endParaRPr lang="en-US" dirty="0"/>
           </a:p>
@@ -7297,7 +7300,7 @@
           <a:p>
             <a:fld id="{48A87A34-81AB-432B-8DAE-1953F412C126}" type="datetimeFigureOut">
               <a:rPr lang="en-US" dirty="0"/>
-              <a:t>8/4/2018</a:t>
+              <a:t>8/6/2018</a:t>
             </a:fld>
             <a:endParaRPr lang="en-US" dirty="0"/>
           </a:p>
@@ -7542,7 +7545,7 @@
           <a:p>
             <a:fld id="{48A87A34-81AB-432B-8DAE-1953F412C126}" type="datetimeFigureOut">
               <a:rPr lang="en-US" dirty="0"/>
-              <a:t>8/4/2018</a:t>
+              <a:t>8/6/2018</a:t>
             </a:fld>
             <a:endParaRPr lang="en-US" dirty="0"/>
           </a:p>
@@ -7769,7 +7772,7 @@
           <a:p>
             <a:fld id="{48A87A34-81AB-432B-8DAE-1953F412C126}" type="datetimeFigureOut">
               <a:rPr lang="en-US" dirty="0"/>
-              <a:t>8/4/2018</a:t>
+              <a:t>8/6/2018</a:t>
             </a:fld>
             <a:endParaRPr lang="en-US" dirty="0"/>
           </a:p>
@@ -8145,7 +8148,7 @@
           <a:p>
             <a:fld id="{48A87A34-81AB-432B-8DAE-1953F412C126}" type="datetimeFigureOut">
               <a:rPr lang="en-US" dirty="0"/>
-              <a:t>8/4/2018</a:t>
+              <a:t>8/6/2018</a:t>
             </a:fld>
             <a:endParaRPr lang="en-US" dirty="0"/>
           </a:p>
@@ -8258,7 +8261,7 @@
           <a:p>
             <a:fld id="{48A87A34-81AB-432B-8DAE-1953F412C126}" type="datetimeFigureOut">
               <a:rPr lang="en-US" dirty="0"/>
-              <a:t>8/4/2018</a:t>
+              <a:t>8/6/2018</a:t>
             </a:fld>
             <a:endParaRPr lang="en-US" dirty="0"/>
           </a:p>
@@ -8348,7 +8351,7 @@
           <a:p>
             <a:fld id="{48A87A34-81AB-432B-8DAE-1953F412C126}" type="datetimeFigureOut">
               <a:rPr lang="en-US" dirty="0"/>
-              <a:t>8/4/2018</a:t>
+              <a:t>8/6/2018</a:t>
             </a:fld>
             <a:endParaRPr lang="en-US" dirty="0"/>
           </a:p>
@@ -8592,7 +8595,7 @@
           <a:p>
             <a:fld id="{48A87A34-81AB-432B-8DAE-1953F412C126}" type="datetimeFigureOut">
               <a:rPr lang="en-US" dirty="0"/>
-              <a:t>8/4/2018</a:t>
+              <a:t>8/6/2018</a:t>
             </a:fld>
             <a:endParaRPr lang="en-US" dirty="0"/>
           </a:p>
@@ -8867,7 +8870,7 @@
           <a:p>
             <a:fld id="{48A87A34-81AB-432B-8DAE-1953F412C126}" type="datetimeFigureOut">
               <a:rPr lang="en-US" dirty="0"/>
-              <a:t>8/4/2018</a:t>
+              <a:t>8/6/2018</a:t>
             </a:fld>
             <a:endParaRPr lang="en-US" dirty="0"/>
           </a:p>
@@ -8978,7 +8981,7 @@
           <a:noFill/>
           <a:extLst>
             <a:ext uri="{909E8E84-426E-40dd-AFC4-6F175D3DCCD1}">
-              <a14:hiddenFill xmlns:a14="http://schemas.microsoft.com/office/drawing/2010/main" xmlns="">
+              <a14:hiddenFill xmlns="" xmlns:a14="http://schemas.microsoft.com/office/drawing/2010/main">
                 <a:solidFill>
                   <a:srgbClr val="FFFFFF"/>
                 </a:solidFill>
@@ -9052,7 +9055,7 @@
               </a:ln>
               <a:extLst>
                 <a:ext uri="{91240B29-F687-4f45-9708-019B960494DF}">
-                  <a14:hiddenLine xmlns:a14="http://schemas.microsoft.com/office/drawing/2010/main" xmlns="" w="9525">
+                  <a14:hiddenLine xmlns="" xmlns:a14="http://schemas.microsoft.com/office/drawing/2010/main" w="9525">
                     <a:solidFill>
                       <a:srgbClr val="000000"/>
                     </a:solidFill>
@@ -9142,7 +9145,7 @@
               </a:ln>
               <a:extLst>
                 <a:ext uri="{91240B29-F687-4f45-9708-019B960494DF}">
-                  <a14:hiddenLine xmlns:a14="http://schemas.microsoft.com/office/drawing/2010/main" xmlns="" w="9525">
+                  <a14:hiddenLine xmlns="" xmlns:a14="http://schemas.microsoft.com/office/drawing/2010/main" w="9525">
                     <a:solidFill>
                       <a:srgbClr val="000000"/>
                     </a:solidFill>
@@ -9232,7 +9235,7 @@
               </a:ln>
               <a:extLst>
                 <a:ext uri="{91240B29-F687-4f45-9708-019B960494DF}">
-                  <a14:hiddenLine xmlns:a14="http://schemas.microsoft.com/office/drawing/2010/main" xmlns="" w="9525">
+                  <a14:hiddenLine xmlns="" xmlns:a14="http://schemas.microsoft.com/office/drawing/2010/main" w="9525">
                     <a:solidFill>
                       <a:srgbClr val="000000"/>
                     </a:solidFill>
@@ -9294,7 +9297,7 @@
               </a:ln>
               <a:extLst>
                 <a:ext uri="{91240B29-F687-4f45-9708-019B960494DF}">
-                  <a14:hiddenLine xmlns:a14="http://schemas.microsoft.com/office/drawing/2010/main" xmlns="" w="9525">
+                  <a14:hiddenLine xmlns="" xmlns:a14="http://schemas.microsoft.com/office/drawing/2010/main" w="9525">
                     <a:solidFill>
                       <a:srgbClr val="000000"/>
                     </a:solidFill>
@@ -9384,7 +9387,7 @@
               </a:ln>
               <a:extLst>
                 <a:ext uri="{91240B29-F687-4f45-9708-019B960494DF}">
-                  <a14:hiddenLine xmlns:a14="http://schemas.microsoft.com/office/drawing/2010/main" xmlns="" w="9525">
+                  <a14:hiddenLine xmlns="" xmlns:a14="http://schemas.microsoft.com/office/drawing/2010/main" w="9525">
                     <a:solidFill>
                       <a:srgbClr val="000000"/>
                     </a:solidFill>
@@ -9446,7 +9449,7 @@
               </a:ln>
               <a:extLst>
                 <a:ext uri="{91240B29-F687-4f45-9708-019B960494DF}">
-                  <a14:hiddenLine xmlns:a14="http://schemas.microsoft.com/office/drawing/2010/main" xmlns="" w="9525">
+                  <a14:hiddenLine xmlns="" xmlns:a14="http://schemas.microsoft.com/office/drawing/2010/main" w="9525">
                     <a:solidFill>
                       <a:srgbClr val="000000"/>
                     </a:solidFill>
@@ -9508,7 +9511,7 @@
               </a:ln>
               <a:extLst>
                 <a:ext uri="{91240B29-F687-4f45-9708-019B960494DF}">
-                  <a14:hiddenLine xmlns:a14="http://schemas.microsoft.com/office/drawing/2010/main" xmlns="" w="9525">
+                  <a14:hiddenLine xmlns="" xmlns:a14="http://schemas.microsoft.com/office/drawing/2010/main" w="9525">
                     <a:solidFill>
                       <a:srgbClr val="000000"/>
                     </a:solidFill>
@@ -9598,7 +9601,7 @@
               </a:ln>
               <a:extLst>
                 <a:ext uri="{91240B29-F687-4f45-9708-019B960494DF}">
-                  <a14:hiddenLine xmlns:a14="http://schemas.microsoft.com/office/drawing/2010/main" xmlns="" w="9525">
+                  <a14:hiddenLine xmlns="" xmlns:a14="http://schemas.microsoft.com/office/drawing/2010/main" w="9525">
                     <a:solidFill>
                       <a:srgbClr val="000000"/>
                     </a:solidFill>
@@ -9688,7 +9691,7 @@
               </a:ln>
               <a:extLst>
                 <a:ext uri="{91240B29-F687-4f45-9708-019B960494DF}">
-                  <a14:hiddenLine xmlns:a14="http://schemas.microsoft.com/office/drawing/2010/main" xmlns="" w="9525">
+                  <a14:hiddenLine xmlns="" xmlns:a14="http://schemas.microsoft.com/office/drawing/2010/main" w="9525">
                     <a:solidFill>
                       <a:srgbClr val="000000"/>
                     </a:solidFill>
@@ -9750,7 +9753,7 @@
               </a:ln>
               <a:extLst>
                 <a:ext uri="{91240B29-F687-4f45-9708-019B960494DF}">
-                  <a14:hiddenLine xmlns:a14="http://schemas.microsoft.com/office/drawing/2010/main" xmlns="" w="9525">
+                  <a14:hiddenLine xmlns="" xmlns:a14="http://schemas.microsoft.com/office/drawing/2010/main" w="9525">
                     <a:solidFill>
                       <a:srgbClr val="000000"/>
                     </a:solidFill>
@@ -9860,7 +9863,7 @@
               </a:ln>
               <a:extLst>
                 <a:ext uri="{91240B29-F687-4f45-9708-019B960494DF}">
-                  <a14:hiddenLine xmlns:a14="http://schemas.microsoft.com/office/drawing/2010/main" xmlns="" w="9525">
+                  <a14:hiddenLine xmlns="" xmlns:a14="http://schemas.microsoft.com/office/drawing/2010/main" w="9525">
                     <a:solidFill>
                       <a:srgbClr val="000000"/>
                     </a:solidFill>
@@ -9944,7 +9947,7 @@
               </a:ln>
               <a:extLst>
                 <a:ext uri="{91240B29-F687-4f45-9708-019B960494DF}">
-                  <a14:hiddenLine xmlns:a14="http://schemas.microsoft.com/office/drawing/2010/main" xmlns="" w="9525">
+                  <a14:hiddenLine xmlns="" xmlns:a14="http://schemas.microsoft.com/office/drawing/2010/main" w="9525">
                     <a:solidFill>
                       <a:srgbClr val="000000"/>
                     </a:solidFill>
@@ -10006,7 +10009,7 @@
               </a:ln>
               <a:extLst>
                 <a:ext uri="{91240B29-F687-4f45-9708-019B960494DF}">
-                  <a14:hiddenLine xmlns:a14="http://schemas.microsoft.com/office/drawing/2010/main" xmlns="" w="9525">
+                  <a14:hiddenLine xmlns="" xmlns:a14="http://schemas.microsoft.com/office/drawing/2010/main" w="9525">
                     <a:solidFill>
                       <a:srgbClr val="000000"/>
                     </a:solidFill>
@@ -10068,7 +10071,7 @@
               </a:ln>
               <a:extLst>
                 <a:ext uri="{91240B29-F687-4f45-9708-019B960494DF}">
-                  <a14:hiddenLine xmlns:a14="http://schemas.microsoft.com/office/drawing/2010/main" xmlns="" w="9525">
+                  <a14:hiddenLine xmlns="" xmlns:a14="http://schemas.microsoft.com/office/drawing/2010/main" w="9525">
                     <a:solidFill>
                       <a:srgbClr val="000000"/>
                     </a:solidFill>
@@ -10158,7 +10161,7 @@
               </a:ln>
               <a:extLst>
                 <a:ext uri="{91240B29-F687-4f45-9708-019B960494DF}">
-                  <a14:hiddenLine xmlns:a14="http://schemas.microsoft.com/office/drawing/2010/main" xmlns="" w="9525">
+                  <a14:hiddenLine xmlns="" xmlns:a14="http://schemas.microsoft.com/office/drawing/2010/main" w="9525">
                     <a:solidFill>
                       <a:srgbClr val="000000"/>
                     </a:solidFill>
@@ -10192,7 +10195,7 @@
               </a:ln>
               <a:extLst>
                 <a:ext uri="{91240B29-F687-4f45-9708-019B960494DF}">
-                  <a14:hiddenLine xmlns:a14="http://schemas.microsoft.com/office/drawing/2010/main" xmlns="" w="9525">
+                  <a14:hiddenLine xmlns="" xmlns:a14="http://schemas.microsoft.com/office/drawing/2010/main" w="9525">
                     <a:solidFill>
                       <a:srgbClr val="000000"/>
                     </a:solidFill>
@@ -10257,7 +10260,7 @@
               </a:ln>
               <a:extLst>
                 <a:ext uri="{91240B29-F687-4f45-9708-019B960494DF}">
-                  <a14:hiddenLine xmlns:a14="http://schemas.microsoft.com/office/drawing/2010/main" xmlns="" w="9525">
+                  <a14:hiddenLine xmlns="" xmlns:a14="http://schemas.microsoft.com/office/drawing/2010/main" w="9525">
                     <a:solidFill>
                       <a:srgbClr val="000000"/>
                     </a:solidFill>
@@ -10347,7 +10350,7 @@
               </a:ln>
               <a:extLst>
                 <a:ext uri="{91240B29-F687-4f45-9708-019B960494DF}">
-                  <a14:hiddenLine xmlns:a14="http://schemas.microsoft.com/office/drawing/2010/main" xmlns="" w="9525">
+                  <a14:hiddenLine xmlns="" xmlns:a14="http://schemas.microsoft.com/office/drawing/2010/main" w="9525">
                     <a:solidFill>
                       <a:srgbClr val="000000"/>
                     </a:solidFill>
@@ -10409,7 +10412,7 @@
               </a:ln>
               <a:extLst>
                 <a:ext uri="{91240B29-F687-4f45-9708-019B960494DF}">
-                  <a14:hiddenLine xmlns:a14="http://schemas.microsoft.com/office/drawing/2010/main" xmlns="" w="9525">
+                  <a14:hiddenLine xmlns="" xmlns:a14="http://schemas.microsoft.com/office/drawing/2010/main" w="9525">
                     <a:solidFill>
                       <a:srgbClr val="000000"/>
                     </a:solidFill>
@@ -10499,7 +10502,7 @@
               </a:ln>
               <a:extLst>
                 <a:ext uri="{91240B29-F687-4f45-9708-019B960494DF}">
-                  <a14:hiddenLine xmlns:a14="http://schemas.microsoft.com/office/drawing/2010/main" xmlns="" w="9525">
+                  <a14:hiddenLine xmlns="" xmlns:a14="http://schemas.microsoft.com/office/drawing/2010/main" w="9525">
                     <a:solidFill>
                       <a:srgbClr val="000000"/>
                     </a:solidFill>
@@ -10564,7 +10567,7 @@
               </a:ln>
               <a:extLst>
                 <a:ext uri="{91240B29-F687-4f45-9708-019B960494DF}">
-                  <a14:hiddenLine xmlns:a14="http://schemas.microsoft.com/office/drawing/2010/main" xmlns="" w="9525">
+                  <a14:hiddenLine xmlns="" xmlns:a14="http://schemas.microsoft.com/office/drawing/2010/main" w="9525">
                     <a:solidFill>
                       <a:srgbClr val="000000"/>
                     </a:solidFill>
@@ -10626,7 +10629,7 @@
               </a:ln>
               <a:extLst>
                 <a:ext uri="{91240B29-F687-4f45-9708-019B960494DF}">
-                  <a14:hiddenLine xmlns:a14="http://schemas.microsoft.com/office/drawing/2010/main" xmlns="" w="9525">
+                  <a14:hiddenLine xmlns="" xmlns:a14="http://schemas.microsoft.com/office/drawing/2010/main" w="9525">
                     <a:solidFill>
                       <a:srgbClr val="000000"/>
                     </a:solidFill>
@@ -10716,7 +10719,7 @@
               </a:ln>
               <a:extLst>
                 <a:ext uri="{91240B29-F687-4f45-9708-019B960494DF}">
-                  <a14:hiddenLine xmlns:a14="http://schemas.microsoft.com/office/drawing/2010/main" xmlns="" w="9525">
+                  <a14:hiddenLine xmlns="" xmlns:a14="http://schemas.microsoft.com/office/drawing/2010/main" w="9525">
                     <a:solidFill>
                       <a:srgbClr val="000000"/>
                     </a:solidFill>
@@ -10806,7 +10809,7 @@
               </a:ln>
               <a:extLst>
                 <a:ext uri="{91240B29-F687-4f45-9708-019B960494DF}">
-                  <a14:hiddenLine xmlns:a14="http://schemas.microsoft.com/office/drawing/2010/main" xmlns="" w="9525">
+                  <a14:hiddenLine xmlns="" xmlns:a14="http://schemas.microsoft.com/office/drawing/2010/main" w="9525">
                     <a:solidFill>
                       <a:srgbClr val="000000"/>
                     </a:solidFill>
@@ -10871,7 +10874,7 @@
               </a:ln>
               <a:extLst>
                 <a:ext uri="{91240B29-F687-4f45-9708-019B960494DF}">
-                  <a14:hiddenLine xmlns:a14="http://schemas.microsoft.com/office/drawing/2010/main" xmlns="" w="9525">
+                  <a14:hiddenLine xmlns="" xmlns:a14="http://schemas.microsoft.com/office/drawing/2010/main" w="9525">
                     <a:solidFill>
                       <a:srgbClr val="000000"/>
                     </a:solidFill>
@@ -10991,7 +10994,7 @@
               </a:ln>
               <a:extLst>
                 <a:ext uri="{91240B29-F687-4f45-9708-019B960494DF}">
-                  <a14:hiddenLine xmlns:a14="http://schemas.microsoft.com/office/drawing/2010/main" xmlns="" w="9525">
+                  <a14:hiddenLine xmlns="" xmlns:a14="http://schemas.microsoft.com/office/drawing/2010/main" w="9525">
                     <a:solidFill>
                       <a:srgbClr val="000000"/>
                     </a:solidFill>
@@ -11089,7 +11092,7 @@
               </a:ln>
               <a:extLst>
                 <a:ext uri="{91240B29-F687-4f45-9708-019B960494DF}">
-                  <a14:hiddenLine xmlns:a14="http://schemas.microsoft.com/office/drawing/2010/main" xmlns="" w="9525">
+                  <a14:hiddenLine xmlns="" xmlns:a14="http://schemas.microsoft.com/office/drawing/2010/main" w="9525">
                     <a:solidFill>
                       <a:srgbClr val="000000"/>
                     </a:solidFill>
@@ -11204,7 +11207,7 @@
               </a:ln>
               <a:extLst>
                 <a:ext uri="{91240B29-F687-4f45-9708-019B960494DF}">
-                  <a14:hiddenLine xmlns:a14="http://schemas.microsoft.com/office/drawing/2010/main" xmlns="" w="9525">
+                  <a14:hiddenLine xmlns="" xmlns:a14="http://schemas.microsoft.com/office/drawing/2010/main" w="9525">
                     <a:solidFill>
                       <a:srgbClr val="000000"/>
                     </a:solidFill>
@@ -11294,7 +11297,7 @@
               </a:ln>
               <a:extLst>
                 <a:ext uri="{91240B29-F687-4f45-9708-019B960494DF}">
-                  <a14:hiddenLine xmlns:a14="http://schemas.microsoft.com/office/drawing/2010/main" xmlns="" w="9525">
+                  <a14:hiddenLine xmlns="" xmlns:a14="http://schemas.microsoft.com/office/drawing/2010/main" w="9525">
                     <a:solidFill>
                       <a:srgbClr val="000000"/>
                     </a:solidFill>
@@ -11359,7 +11362,7 @@
               </a:ln>
               <a:extLst>
                 <a:ext uri="{91240B29-F687-4f45-9708-019B960494DF}">
-                  <a14:hiddenLine xmlns:a14="http://schemas.microsoft.com/office/drawing/2010/main" xmlns="" w="9525">
+                  <a14:hiddenLine xmlns="" xmlns:a14="http://schemas.microsoft.com/office/drawing/2010/main" w="9525">
                     <a:solidFill>
                       <a:srgbClr val="000000"/>
                     </a:solidFill>
@@ -11449,7 +11452,7 @@
               </a:ln>
               <a:extLst>
                 <a:ext uri="{91240B29-F687-4f45-9708-019B960494DF}">
-                  <a14:hiddenLine xmlns:a14="http://schemas.microsoft.com/office/drawing/2010/main" xmlns="" w="9525">
+                  <a14:hiddenLine xmlns="" xmlns:a14="http://schemas.microsoft.com/office/drawing/2010/main" w="9525">
                     <a:solidFill>
                       <a:srgbClr val="000000"/>
                     </a:solidFill>
@@ -11517,7 +11520,7 @@
               </a:ln>
               <a:extLst>
                 <a:ext uri="{91240B29-F687-4f45-9708-019B960494DF}">
-                  <a14:hiddenLine xmlns:a14="http://schemas.microsoft.com/office/drawing/2010/main" xmlns="" w="9525">
+                  <a14:hiddenLine xmlns="" xmlns:a14="http://schemas.microsoft.com/office/drawing/2010/main" w="9525">
                     <a:solidFill>
                       <a:srgbClr val="000000"/>
                     </a:solidFill>
@@ -11607,7 +11610,7 @@
               </a:ln>
               <a:extLst>
                 <a:ext uri="{91240B29-F687-4f45-9708-019B960494DF}">
-                  <a14:hiddenLine xmlns:a14="http://schemas.microsoft.com/office/drawing/2010/main" xmlns="" w="9525">
+                  <a14:hiddenLine xmlns="" xmlns:a14="http://schemas.microsoft.com/office/drawing/2010/main" w="9525">
                     <a:solidFill>
                       <a:srgbClr val="000000"/>
                     </a:solidFill>
@@ -11675,7 +11678,7 @@
               </a:ln>
               <a:extLst>
                 <a:ext uri="{91240B29-F687-4f45-9708-019B960494DF}">
-                  <a14:hiddenLine xmlns:a14="http://schemas.microsoft.com/office/drawing/2010/main" xmlns="" w="9525">
+                  <a14:hiddenLine xmlns="" xmlns:a14="http://schemas.microsoft.com/office/drawing/2010/main" w="9525">
                     <a:solidFill>
                       <a:srgbClr val="000000"/>
                     </a:solidFill>
@@ -11765,7 +11768,7 @@
               </a:ln>
               <a:extLst>
                 <a:ext uri="{91240B29-F687-4f45-9708-019B960494DF}">
-                  <a14:hiddenLine xmlns:a14="http://schemas.microsoft.com/office/drawing/2010/main" xmlns="" w="9525">
+                  <a14:hiddenLine xmlns="" xmlns:a14="http://schemas.microsoft.com/office/drawing/2010/main" w="9525">
                     <a:solidFill>
                       <a:srgbClr val="000000"/>
                     </a:solidFill>
@@ -11799,7 +11802,7 @@
               </a:ln>
               <a:extLst>
                 <a:ext uri="{91240B29-F687-4f45-9708-019B960494DF}">
-                  <a14:hiddenLine xmlns:a14="http://schemas.microsoft.com/office/drawing/2010/main" xmlns="" w="9525">
+                  <a14:hiddenLine xmlns="" xmlns:a14="http://schemas.microsoft.com/office/drawing/2010/main" w="9525">
                     <a:solidFill>
                       <a:srgbClr val="000000"/>
                     </a:solidFill>
@@ -11940,7 +11943,7 @@
             <a:fld id="{48A87A34-81AB-432B-8DAE-1953F412C126}" type="datetimeFigureOut">
               <a:rPr lang="en-US" dirty="0"/>
               <a:pPr/>
-              <a:t>8/4/2018</a:t>
+              <a:t>8/6/2018</a:t>
             </a:fld>
             <a:endParaRPr lang="en-US" dirty="0"/>
           </a:p>
@@ -12439,6 +12442,306 @@
 </p:sld>
 </file>
 
+<file path=ppt/slides/slide10.xml><?xml version="1.0" encoding="utf-8"?>
+<p:sld xmlns:a="http://schemas.openxmlformats.org/drawingml/2006/main" xmlns:r="http://schemas.openxmlformats.org/officeDocument/2006/relationships" xmlns:p="http://schemas.openxmlformats.org/presentationml/2006/main">
+  <p:cSld>
+    <p:spTree>
+      <p:nvGrpSpPr>
+        <p:cNvPr id="1" name=""/>
+        <p:cNvGrpSpPr/>
+        <p:nvPr/>
+      </p:nvGrpSpPr>
+      <p:grpSpPr>
+        <a:xfrm>
+          <a:off x="0" y="0"/>
+          <a:ext cx="0" cy="0"/>
+          <a:chOff x="0" y="0"/>
+          <a:chExt cx="0" cy="0"/>
+        </a:xfrm>
+      </p:grpSpPr>
+      <p:sp>
+        <p:nvSpPr>
+          <p:cNvPr id="2" name="Title 1">
+            <a:extLst>
+              <a:ext uri="{FF2B5EF4-FFF2-40B4-BE49-F238E27FC236}">
+                <a16:creationId xmlns:a16="http://schemas.microsoft.com/office/drawing/2014/main" id="{A526A1F9-BC6E-418B-B63C-8F1EC12BC35F}"/>
+              </a:ext>
+            </a:extLst>
+          </p:cNvPr>
+          <p:cNvSpPr>
+            <a:spLocks noGrp="1"/>
+          </p:cNvSpPr>
+          <p:nvPr>
+            <p:ph type="title"/>
+          </p:nvPr>
+        </p:nvSpPr>
+        <p:spPr/>
+        <p:txBody>
+          <a:bodyPr/>
+          <a:lstStyle/>
+          <a:p>
+            <a:r>
+              <a:rPr lang="en-US" dirty="0"/>
+              <a:t>Code</a:t>
+            </a:r>
+          </a:p>
+        </p:txBody>
+      </p:sp>
+      <p:pic>
+        <p:nvPicPr>
+          <p:cNvPr id="4" name="Content Placeholder 3">
+            <a:extLst>
+              <a:ext uri="{FF2B5EF4-FFF2-40B4-BE49-F238E27FC236}">
+                <a16:creationId xmlns:a16="http://schemas.microsoft.com/office/drawing/2014/main" id="{703500FC-EA1E-450E-A3E9-7A119F99B09B}"/>
+              </a:ext>
+            </a:extLst>
+          </p:cNvPr>
+          <p:cNvPicPr>
+            <a:picLocks noGrp="1" noChangeAspect="1"/>
+          </p:cNvPicPr>
+          <p:nvPr>
+            <p:ph idx="1"/>
+          </p:nvPr>
+        </p:nvPicPr>
+        <p:blipFill>
+          <a:blip r:embed="rId2"/>
+          <a:stretch>
+            <a:fillRect/>
+          </a:stretch>
+        </p:blipFill>
+        <p:spPr>
+          <a:xfrm>
+            <a:off x="3913164" y="1090466"/>
+            <a:ext cx="6410707" cy="5027656"/>
+          </a:xfrm>
+          <a:prstGeom prst="rect">
+            <a:avLst/>
+          </a:prstGeom>
+        </p:spPr>
+      </p:pic>
+    </p:spTree>
+    <p:extLst>
+      <p:ext uri="{BB962C8B-B14F-4D97-AF65-F5344CB8AC3E}">
+        <p14:creationId xmlns:p14="http://schemas.microsoft.com/office/powerpoint/2010/main" val="3340426195"/>
+      </p:ext>
+    </p:extLst>
+  </p:cSld>
+  <p:clrMapOvr>
+    <a:masterClrMapping/>
+  </p:clrMapOvr>
+</p:sld>
+</file>
+
+<file path=ppt/slides/slide11.xml><?xml version="1.0" encoding="utf-8"?>
+<p:sld xmlns:a="http://schemas.openxmlformats.org/drawingml/2006/main" xmlns:r="http://schemas.openxmlformats.org/officeDocument/2006/relationships" xmlns:p="http://schemas.openxmlformats.org/presentationml/2006/main">
+  <p:cSld>
+    <p:spTree>
+      <p:nvGrpSpPr>
+        <p:cNvPr id="1" name=""/>
+        <p:cNvGrpSpPr/>
+        <p:nvPr/>
+      </p:nvGrpSpPr>
+      <p:grpSpPr>
+        <a:xfrm>
+          <a:off x="0" y="0"/>
+          <a:ext cx="0" cy="0"/>
+          <a:chOff x="0" y="0"/>
+          <a:chExt cx="0" cy="0"/>
+        </a:xfrm>
+      </p:grpSpPr>
+      <p:sp>
+        <p:nvSpPr>
+          <p:cNvPr id="2" name="Title 1">
+            <a:extLst>
+              <a:ext uri="{FF2B5EF4-FFF2-40B4-BE49-F238E27FC236}">
+                <a16:creationId xmlns:a16="http://schemas.microsoft.com/office/drawing/2014/main" id="{DA968611-E26B-4F37-879A-C022456ED42C}"/>
+              </a:ext>
+            </a:extLst>
+          </p:cNvPr>
+          <p:cNvSpPr>
+            <a:spLocks noGrp="1"/>
+          </p:cNvSpPr>
+          <p:nvPr>
+            <p:ph type="title"/>
+          </p:nvPr>
+        </p:nvSpPr>
+        <p:spPr/>
+        <p:txBody>
+          <a:bodyPr/>
+          <a:lstStyle/>
+          <a:p>
+            <a:r>
+              <a:rPr lang="en-US" dirty="0"/>
+              <a:t>Code</a:t>
+            </a:r>
+          </a:p>
+        </p:txBody>
+      </p:sp>
+      <p:pic>
+        <p:nvPicPr>
+          <p:cNvPr id="4" name="Content Placeholder 3">
+            <a:extLst>
+              <a:ext uri="{FF2B5EF4-FFF2-40B4-BE49-F238E27FC236}">
+                <a16:creationId xmlns:a16="http://schemas.microsoft.com/office/drawing/2014/main" id="{EC9812E2-F574-4D6E-9080-94A776DDB6CA}"/>
+              </a:ext>
+            </a:extLst>
+          </p:cNvPr>
+          <p:cNvPicPr>
+            <a:picLocks noGrp="1" noChangeAspect="1"/>
+          </p:cNvPicPr>
+          <p:nvPr>
+            <p:ph idx="1"/>
+          </p:nvPr>
+        </p:nvPicPr>
+        <p:blipFill>
+          <a:blip r:embed="rId2"/>
+          <a:stretch>
+            <a:fillRect/>
+          </a:stretch>
+        </p:blipFill>
+        <p:spPr>
+          <a:xfrm>
+            <a:off x="513730" y="2097088"/>
+            <a:ext cx="5026036" cy="3541712"/>
+          </a:xfrm>
+          <a:prstGeom prst="rect">
+            <a:avLst/>
+          </a:prstGeom>
+        </p:spPr>
+      </p:pic>
+      <p:pic>
+        <p:nvPicPr>
+          <p:cNvPr id="5" name="Picture 4">
+            <a:extLst>
+              <a:ext uri="{FF2B5EF4-FFF2-40B4-BE49-F238E27FC236}">
+                <a16:creationId xmlns:a16="http://schemas.microsoft.com/office/drawing/2014/main" id="{087BDF32-4F5C-485B-858F-55955753D46E}"/>
+              </a:ext>
+            </a:extLst>
+          </p:cNvPr>
+          <p:cNvPicPr>
+            <a:picLocks noChangeAspect="1"/>
+          </p:cNvPicPr>
+          <p:nvPr/>
+        </p:nvPicPr>
+        <p:blipFill>
+          <a:blip r:embed="rId3"/>
+          <a:stretch>
+            <a:fillRect/>
+          </a:stretch>
+        </p:blipFill>
+        <p:spPr>
+          <a:xfrm>
+            <a:off x="6649059" y="349344"/>
+            <a:ext cx="5026035" cy="6159312"/>
+          </a:xfrm>
+          <a:prstGeom prst="rect">
+            <a:avLst/>
+          </a:prstGeom>
+        </p:spPr>
+      </p:pic>
+    </p:spTree>
+    <p:extLst>
+      <p:ext uri="{BB962C8B-B14F-4D97-AF65-F5344CB8AC3E}">
+        <p14:creationId xmlns:p14="http://schemas.microsoft.com/office/powerpoint/2010/main" val="632747822"/>
+      </p:ext>
+    </p:extLst>
+  </p:cSld>
+  <p:clrMapOvr>
+    <a:masterClrMapping/>
+  </p:clrMapOvr>
+</p:sld>
+</file>
+
+<file path=ppt/slides/slide12.xml><?xml version="1.0" encoding="utf-8"?>
+<p:sld xmlns:a="http://schemas.openxmlformats.org/drawingml/2006/main" xmlns:r="http://schemas.openxmlformats.org/officeDocument/2006/relationships" xmlns:p="http://schemas.openxmlformats.org/presentationml/2006/main">
+  <p:cSld>
+    <p:spTree>
+      <p:nvGrpSpPr>
+        <p:cNvPr id="1" name=""/>
+        <p:cNvGrpSpPr/>
+        <p:nvPr/>
+      </p:nvGrpSpPr>
+      <p:grpSpPr>
+        <a:xfrm>
+          <a:off x="0" y="0"/>
+          <a:ext cx="0" cy="0"/>
+          <a:chOff x="0" y="0"/>
+          <a:chExt cx="0" cy="0"/>
+        </a:xfrm>
+      </p:grpSpPr>
+      <p:sp>
+        <p:nvSpPr>
+          <p:cNvPr id="2" name="Title 1">
+            <a:extLst>
+              <a:ext uri="{FF2B5EF4-FFF2-40B4-BE49-F238E27FC236}">
+                <a16:creationId xmlns:a16="http://schemas.microsoft.com/office/drawing/2014/main" id="{CD2A0018-1FC5-46AA-8BED-5FEA8699BE56}"/>
+              </a:ext>
+            </a:extLst>
+          </p:cNvPr>
+          <p:cNvSpPr>
+            <a:spLocks noGrp="1"/>
+          </p:cNvSpPr>
+          <p:nvPr>
+            <p:ph type="title"/>
+          </p:nvPr>
+        </p:nvSpPr>
+        <p:spPr/>
+        <p:txBody>
+          <a:bodyPr/>
+          <a:lstStyle/>
+          <a:p>
+            <a:r>
+              <a:rPr lang="en-US" dirty="0"/>
+              <a:t>Application</a:t>
+            </a:r>
+          </a:p>
+        </p:txBody>
+      </p:sp>
+      <p:pic>
+        <p:nvPicPr>
+          <p:cNvPr id="4" name="Content Placeholder 3">
+            <a:extLst>
+              <a:ext uri="{FF2B5EF4-FFF2-40B4-BE49-F238E27FC236}">
+                <a16:creationId xmlns:a16="http://schemas.microsoft.com/office/drawing/2014/main" id="{07BFC234-4666-499A-AC74-F9321A63AA0B}"/>
+              </a:ext>
+            </a:extLst>
+          </p:cNvPr>
+          <p:cNvPicPr>
+            <a:picLocks noGrp="1" noChangeAspect="1"/>
+          </p:cNvPicPr>
+          <p:nvPr>
+            <p:ph idx="1"/>
+          </p:nvPr>
+        </p:nvPicPr>
+        <p:blipFill>
+          <a:blip r:embed="rId2"/>
+          <a:stretch>
+            <a:fillRect/>
+          </a:stretch>
+        </p:blipFill>
+        <p:spPr>
+          <a:xfrm>
+            <a:off x="2960379" y="1940154"/>
+            <a:ext cx="6537581" cy="3806693"/>
+          </a:xfrm>
+          <a:prstGeom prst="rect">
+            <a:avLst/>
+          </a:prstGeom>
+        </p:spPr>
+      </p:pic>
+    </p:spTree>
+    <p:extLst>
+      <p:ext uri="{BB962C8B-B14F-4D97-AF65-F5344CB8AC3E}">
+        <p14:creationId xmlns:p14="http://schemas.microsoft.com/office/powerpoint/2010/main" val="2675597955"/>
+      </p:ext>
+    </p:extLst>
+  </p:cSld>
+  <p:clrMapOvr>
+    <a:masterClrMapping/>
+  </p:clrMapOvr>
+</p:sld>
+</file>
+
 <file path=ppt/slides/slide2.xml><?xml version="1.0" encoding="utf-8"?>
 <p:sld xmlns:a="http://schemas.openxmlformats.org/drawingml/2006/main" xmlns:r="http://schemas.openxmlformats.org/officeDocument/2006/relationships" xmlns:p="http://schemas.openxmlformats.org/presentationml/2006/main">
   <p:cSld>
@@ -12693,15 +12996,7 @@
           <a:p>
             <a:r>
               <a:rPr lang="en-US" dirty="0"/>
-              <a:t>Slack pushes notifications to team members when updates are entered and allows for tracking of updates on </a:t>
-            </a:r>
-            <a:r>
-              <a:rPr lang="en-US" dirty="0" err="1"/>
-              <a:t>GetHub</a:t>
-            </a:r>
-            <a:r>
-              <a:rPr lang="en-US" dirty="0"/>
-              <a:t>.</a:t>
+              <a:t>Slack pushes notifications to team members when updates are entered and allows for tracking of updates on GitHub.</a:t>
             </a:r>
           </a:p>
         </p:txBody>
